--- a/Topic/Topic.pptx
+++ b/Topic/Topic.pptx
@@ -5,13 +5,14 @@
     <p:sldMasterId id="2147483648" r:id="rId1"/>
   </p:sldMasterIdLst>
   <p:notesMasterIdLst>
-    <p:notesMasterId r:id="rId8"/>
+    <p:notesMasterId r:id="rId9"/>
   </p:notesMasterIdLst>
   <p:sldIdLst>
     <p:sldId id="256" r:id="rId4"/>
     <p:sldId id="257" r:id="rId5"/>
     <p:sldId id="258" r:id="rId6"/>
     <p:sldId id="259" r:id="rId7"/>
+    <p:sldId id="260" r:id="rId8"/>
   </p:sldIdLst>
   <p:sldSz cx="12192000" cy="6858000"/>
   <p:notesSz cx="6858000" cy="9144000"/>
@@ -804,6 +805,88 @@
               <a:defRPr/>
             </a:pPr>
             <a:fld id="{2ECF6293-913F-E885-EF36-40AE2C75E576}" type="slidenum">
+              <a:rPr/>
+              <a:t/>
+            </a:fld>
+            <a:endParaRPr/>
+          </a:p>
+        </p:txBody>
+      </p:sp>
+    </p:spTree>
+  </p:cSld>
+</p:notes>
+</file>
+
+<file path=ppt/notesSlides/notesSlide5.xml><?xml version="1.0" encoding="utf-8"?>
+<p:notes xmlns:a="http://schemas.openxmlformats.org/drawingml/2006/main" xmlns:r="http://schemas.openxmlformats.org/officeDocument/2006/relationships" xmlns:p="http://schemas.openxmlformats.org/presentationml/2006/main" xmlns:m="http://schemas.openxmlformats.org/officeDocument/2006/math" xmlns:w="http://schemas.openxmlformats.org/wordprocessingml/2006/main">
+  <p:cSld name="">
+    <p:spTree>
+      <p:nvGrpSpPr>
+        <p:cNvPr id="1" name=""/>
+        <p:cNvGrpSpPr/>
+        <p:nvPr/>
+      </p:nvGrpSpPr>
+      <p:grpSpPr bwMode="auto">
+        <a:xfrm>
+          <a:off x="0" y="0"/>
+          <a:ext cx="0" cy="0"/>
+          <a:chOff x="0" y="0"/>
+          <a:chExt cx="0" cy="0"/>
+        </a:xfrm>
+      </p:grpSpPr>
+      <p:sp>
+        <p:nvSpPr>
+          <p:cNvPr id="1516579712" name="Slide Image Placeholder 1"/>
+          <p:cNvSpPr>
+            <a:spLocks noChangeAspect="1" noGrp="1" noRot="1"/>
+          </p:cNvSpPr>
+          <p:nvPr>
+            <p:ph type="sldImg"/>
+          </p:nvPr>
+        </p:nvSpPr>
+        <p:spPr bwMode="auto"/>
+      </p:sp>
+      <p:sp>
+        <p:nvSpPr>
+          <p:cNvPr id="1946497602" name="Notes Placeholder 2"/>
+          <p:cNvSpPr>
+            <a:spLocks noGrp="1"/>
+          </p:cNvSpPr>
+          <p:nvPr>
+            <p:ph type="body" idx="1"/>
+          </p:nvPr>
+        </p:nvSpPr>
+        <p:spPr bwMode="auto"/>
+        <p:txBody>
+          <a:bodyPr/>
+          <a:lstStyle/>
+          <a:p>
+            <a:pPr>
+              <a:defRPr/>
+            </a:pPr>
+            <a:endParaRPr/>
+          </a:p>
+        </p:txBody>
+      </p:sp>
+      <p:sp>
+        <p:nvSpPr>
+          <p:cNvPr id="529526423" name="Slide Number Placeholder 3"/>
+          <p:cNvSpPr>
+            <a:spLocks noGrp="1"/>
+          </p:cNvSpPr>
+          <p:nvPr>
+            <p:ph type="sldNum" sz="quarter" idx="10"/>
+          </p:nvPr>
+        </p:nvSpPr>
+        <p:spPr bwMode="auto"/>
+        <p:txBody>
+          <a:bodyPr/>
+          <a:lstStyle/>
+          <a:p>
+            <a:pPr>
+              <a:defRPr/>
+            </a:pPr>
+            <a:fld id="{98576530-B7A3-5F4A-8ACD-D5D040038E18}" type="slidenum">
               <a:rPr/>
               <a:t/>
             </a:fld>
@@ -46604,7 +46687,7 @@
         </p:spPr>
         <p:txBody>
           <a:bodyPr vertOverflow="overflow" horzOverflow="overflow" vert="horz" wrap="square" lIns="0" tIns="0" rIns="360000" bIns="0" numCol="1" spcCol="0" rtlCol="0" fromWordArt="0" anchor="t" anchorCtr="0" forceAA="0" upright="0" compatLnSpc="0">
-            <a:normAutofit fontScale="90000" lnSpcReduction="2000"/>
+            <a:normAutofit/>
           </a:bodyPr>
           <a:lstStyle/>
           <a:p>
@@ -46708,7 +46791,7 @@
                 <a:ea typeface="Arial"/>
                 <a:cs typeface="Arial"/>
               </a:rPr>
-              <a:t>Possibly: Combination of </a:t>
+              <a:t>Combination of </a:t>
             </a:r>
             <a:r>
               <a:rPr lang="de-DE" sz="1600" b="0" i="0" u="none" strike="noStrike" cap="none" spc="0">
@@ -46925,206 +47008,6 @@
               <a:cs typeface="Arial"/>
             </a:endParaRPr>
           </a:p>
-          <a:p>
-            <a:pPr marL="239821" indent="-239821" algn="l" defTabSz="914400">
-              <a:lnSpc>
-                <a:spcPct val="108000"/>
-              </a:lnSpc>
-              <a:spcBef>
-                <a:spcPts val="0"/>
-              </a:spcBef>
-              <a:spcAft>
-                <a:spcPts val="1199"/>
-              </a:spcAft>
-              <a:buFont typeface="Arial"/>
-              <a:buChar char="–"/>
-              <a:defRPr/>
-            </a:pPr>
-            <a:r>
-              <a:rPr lang="de-DE" sz="1600" b="0" i="0" u="none" strike="noStrike" cap="none" spc="0">
-                <a:solidFill>
-                  <a:schemeClr val="accent4"/>
-                </a:solidFill>
-                <a:latin typeface="Arial"/>
-                <a:ea typeface="Arial"/>
-                <a:cs typeface="Arial"/>
-              </a:rPr>
-              <a:t>Kind of optimization:	</a:t>
-            </a:r>
-            <a:r>
-              <a:rPr lang="de-DE" sz="1600" b="0" i="0" u="none" strike="noStrike" cap="none" spc="0">
-                <a:solidFill>
-                  <a:schemeClr val="accent4"/>
-                </a:solidFill>
-                <a:latin typeface="Arial"/>
-                <a:ea typeface="Arial"/>
-                <a:cs typeface="Arial"/>
-              </a:rPr>
-              <a:t>	Developer:</a:t>
-            </a:r>
-            <a:endParaRPr sz="1600" b="0" i="0" u="none" strike="noStrike" cap="none" spc="0">
-              <a:solidFill>
-                <a:schemeClr val="accent4"/>
-              </a:solidFill>
-              <a:latin typeface="Arial"/>
-              <a:cs typeface="Arial"/>
-            </a:endParaRPr>
-          </a:p>
-          <a:p>
-            <a:pPr lvl="2" algn="l" defTabSz="914400">
-              <a:lnSpc>
-                <a:spcPct val="108000"/>
-              </a:lnSpc>
-              <a:spcBef>
-                <a:spcPts val="0"/>
-              </a:spcBef>
-              <a:spcAft>
-                <a:spcPts val="1199"/>
-              </a:spcAft>
-              <a:buClr>
-                <a:schemeClr val="accent4"/>
-              </a:buClr>
-              <a:buFont typeface="Arial"/>
-              <a:buChar char="–"/>
-              <a:defRPr/>
-            </a:pPr>
-            <a:r>
-              <a:rPr lang="de-DE" sz="1600" b="0" i="0" u="none" strike="noStrike" cap="none" spc="0">
-                <a:solidFill>
-                  <a:schemeClr val="tx1"/>
-                </a:solidFill>
-                <a:latin typeface="Arial"/>
-                <a:ea typeface="Arial"/>
-                <a:cs typeface="Arial"/>
-              </a:rPr>
-              <a:t>Multithreading			Dustin Heither</a:t>
-            </a:r>
-            <a:endParaRPr sz="1600" b="0" i="0" u="none" strike="noStrike" cap="none" spc="0">
-              <a:solidFill>
-                <a:schemeClr val="tx1"/>
-              </a:solidFill>
-              <a:latin typeface="Arial"/>
-              <a:cs typeface="Arial"/>
-            </a:endParaRPr>
-          </a:p>
-          <a:p>
-            <a:pPr lvl="2" algn="l" defTabSz="914400">
-              <a:lnSpc>
-                <a:spcPct val="108000"/>
-              </a:lnSpc>
-              <a:spcBef>
-                <a:spcPts val="0"/>
-              </a:spcBef>
-              <a:spcAft>
-                <a:spcPts val="1199"/>
-              </a:spcAft>
-              <a:buClr>
-                <a:schemeClr val="accent4"/>
-              </a:buClr>
-              <a:buFont typeface="Arial"/>
-              <a:buChar char="–"/>
-              <a:defRPr/>
-            </a:pPr>
-            <a:r>
-              <a:rPr lang="de-DE" sz="1600" b="0" i="0" u="none" strike="noStrike" cap="none" spc="0">
-                <a:solidFill>
-                  <a:schemeClr val="tx1"/>
-                </a:solidFill>
-                <a:latin typeface="Arial"/>
-                <a:ea typeface="Arial"/>
-                <a:cs typeface="Arial"/>
-              </a:rPr>
-              <a:t>SIMD (SSE vs. </a:t>
-            </a:r>
-            <a:r>
-              <a:rPr sz="1600" b="0" i="0" u="none" strike="noStrike" cap="none" spc="0">
-                <a:solidFill>
-                  <a:schemeClr val="tx1"/>
-                </a:solidFill>
-                <a:latin typeface="Arial"/>
-                <a:ea typeface="Arial"/>
-                <a:cs typeface="Arial"/>
-              </a:rPr>
-              <a:t>AVX2</a:t>
-            </a:r>
-            <a:r>
-              <a:rPr lang="de-DE" sz="1600" b="0" i="0" u="none" strike="noStrike" cap="none" spc="0">
-                <a:solidFill>
-                  <a:schemeClr val="tx1"/>
-                </a:solidFill>
-                <a:latin typeface="Arial"/>
-                <a:ea typeface="Arial"/>
-                <a:cs typeface="Arial"/>
-              </a:rPr>
-              <a:t> vs. </a:t>
-            </a:r>
-            <a:r>
-              <a:rPr sz="1600" b="0" i="0" u="none" strike="noStrike" cap="none" spc="0">
-                <a:solidFill>
-                  <a:schemeClr val="tx1"/>
-                </a:solidFill>
-                <a:latin typeface="Arial"/>
-                <a:ea typeface="Arial"/>
-                <a:cs typeface="Arial"/>
-              </a:rPr>
-              <a:t>AVX-512</a:t>
-            </a:r>
-            <a:r>
-              <a:rPr lang="de-DE" sz="1600" b="0" i="0" u="none" strike="noStrike" cap="none" spc="0">
-                <a:solidFill>
-                  <a:schemeClr val="tx1"/>
-                </a:solidFill>
-                <a:latin typeface="Arial"/>
-                <a:ea typeface="Arial"/>
-                <a:cs typeface="Arial"/>
-              </a:rPr>
-              <a:t>)	Robert Kagan</a:t>
-            </a:r>
-            <a:endParaRPr sz="1600" b="0" i="0" u="none" strike="noStrike" cap="none" spc="0">
-              <a:solidFill>
-                <a:schemeClr val="tx1"/>
-              </a:solidFill>
-              <a:latin typeface="Arial"/>
-              <a:cs typeface="Arial"/>
-            </a:endParaRPr>
-          </a:p>
-          <a:p>
-            <a:pPr lvl="2" algn="l" defTabSz="914400">
-              <a:lnSpc>
-                <a:spcPct val="108000"/>
-              </a:lnSpc>
-              <a:spcBef>
-                <a:spcPts val="0"/>
-              </a:spcBef>
-              <a:spcAft>
-                <a:spcPts val="1199"/>
-              </a:spcAft>
-              <a:buClr>
-                <a:schemeClr val="accent4"/>
-              </a:buClr>
-              <a:buFont typeface="Arial"/>
-              <a:buChar char="–"/>
-              <a:defRPr/>
-            </a:pPr>
-            <a:r>
-              <a:rPr lang="de-DE" sz="1600" b="0" i="0" u="none" strike="noStrike" cap="none" spc="0">
-                <a:solidFill>
-                  <a:schemeClr val="tx1"/>
-                </a:solidFill>
-                <a:latin typeface="Arial"/>
-                <a:ea typeface="Arial"/>
-                <a:cs typeface="Arial"/>
-              </a:rPr>
-              <a:t>CUDA tuning			Maximilian Achenbach</a:t>
-            </a:r>
-            <a:endParaRPr sz="1600" b="0" i="0" u="none" strike="noStrike" cap="none" spc="0">
-              <a:solidFill>
-                <a:schemeClr val="tx1"/>
-              </a:solidFill>
-              <a:latin typeface="Arial"/>
-              <a:cs typeface="Arial"/>
-            </a:endParaRPr>
-          </a:p>
         </p:txBody>
       </p:sp>
       <p:sp>
@@ -47259,6 +47142,781 @@
           <a:xfrm>
             <a:off x="8408988" y="2234802"/>
             <a:ext cx="3267074" cy="3362324"/>
+          </a:xfrm>
+          <a:prstGeom prst="rect">
+            <a:avLst/>
+          </a:prstGeom>
+        </p:spPr>
+      </p:pic>
+    </p:spTree>
+  </p:cSld>
+  <p:clrMapOvr>
+    <a:masterClrMapping/>
+  </p:clrMapOvr>
+  <mc:AlternateContent xmlns:mc="http://schemas.openxmlformats.org/markup-compatibility/2006">
+    <mc:Choice xmlns:p159="http://schemas.microsoft.com/office/powerpoint/2015/09/main" xmlns:p14="http://schemas.microsoft.com/office/powerpoint/2010/main" Requires="p159">
+      <p:transition p14:dur="2000" advClick="1"/>
+    </mc:Choice>
+    <mc:Fallback>
+      <p:transition advClick="1"/>
+    </mc:Fallback>
+  </mc:AlternateContent>
+</p:sld>
+</file>
+
+<file path=ppt/slides/slide5.xml><?xml version="1.0" encoding="utf-8"?>
+<p:sld xmlns:a="http://schemas.openxmlformats.org/drawingml/2006/main" xmlns:r="http://schemas.openxmlformats.org/officeDocument/2006/relationships" xmlns:p="http://schemas.openxmlformats.org/presentationml/2006/main" xmlns:m="http://schemas.openxmlformats.org/officeDocument/2006/math" xmlns:w="http://schemas.openxmlformats.org/wordprocessingml/2006/main" xmlns:mc="http://schemas.openxmlformats.org/markup-compatibility/2006" showMasterPhAnim="0" showMasterSp="1" show="1">
+  <p:cSld name="">
+    <p:spTree>
+      <p:nvGrpSpPr>
+        <p:cNvPr id="1" name=""/>
+        <p:cNvGrpSpPr/>
+        <p:nvPr/>
+      </p:nvGrpSpPr>
+      <p:grpSpPr bwMode="auto">
+        <a:xfrm>
+          <a:off x="0" y="0"/>
+          <a:ext cx="0" cy="0"/>
+          <a:chOff x="0" y="0"/>
+          <a:chExt cx="0" cy="0"/>
+        </a:xfrm>
+      </p:grpSpPr>
+      <p:sp>
+        <p:nvSpPr>
+          <p:cNvPr id="1212919460" name="Datumsplatzhalter 2"/>
+          <p:cNvSpPr>
+            <a:spLocks noGrp="1"/>
+          </p:cNvSpPr>
+          <p:nvPr>
+            <p:ph type="dt" sz="half" idx="10"/>
+          </p:nvPr>
+        </p:nvSpPr>
+        <p:spPr bwMode="auto"/>
+        <p:txBody>
+          <a:bodyPr/>
+          <a:lstStyle/>
+          <a:p>
+            <a:pPr>
+              <a:defRPr/>
+            </a:pPr>
+            <a:fld id="{DE8EC036-DD07-0924-14CC-391FB42ACA0D}" type="datetime1">
+              <a:rPr lang="de-DE"/>
+              <a:t/>
+            </a:fld>
+            <a:endParaRPr/>
+          </a:p>
+        </p:txBody>
+      </p:sp>
+      <p:sp>
+        <p:nvSpPr>
+          <p:cNvPr id="316759982" name="Fußzeilenplatzhalter 3"/>
+          <p:cNvSpPr>
+            <a:spLocks noGrp="1"/>
+          </p:cNvSpPr>
+          <p:nvPr>
+            <p:ph type="ftr" sz="quarter" idx="11"/>
+          </p:nvPr>
+        </p:nvSpPr>
+        <p:spPr bwMode="auto">
+          <a:xfrm>
+            <a:off x="518319" y="6634663"/>
+            <a:ext cx="5470092" cy="122278"/>
+          </a:xfrm>
+        </p:spPr>
+        <p:txBody>
+          <a:bodyPr/>
+          <a:lstStyle/>
+          <a:p>
+            <a:pPr>
+              <a:defRPr/>
+            </a:pPr>
+            <a:r>
+              <a:rPr lang="de-DE" sz="800" b="0" i="0" u="none" strike="noStrike" cap="none" spc="0">
+                <a:solidFill>
+                  <a:schemeClr val="tx1"/>
+                </a:solidFill>
+                <a:latin typeface="Arial"/>
+                <a:ea typeface="Arial"/>
+                <a:cs typeface="Arial"/>
+              </a:rPr>
+              <a:t>Rechnerarchitekturen für Deep Learning Anwendungen (RADL)</a:t>
+            </a:r>
+            <a:endParaRPr lang="de-DE"/>
+          </a:p>
+        </p:txBody>
+      </p:sp>
+      <p:sp>
+        <p:nvSpPr>
+          <p:cNvPr id="2052725056" name="Foliennummernplatzhalter 4"/>
+          <p:cNvSpPr>
+            <a:spLocks noGrp="1"/>
+          </p:cNvSpPr>
+          <p:nvPr>
+            <p:ph type="sldNum" sz="quarter" idx="12"/>
+          </p:nvPr>
+        </p:nvSpPr>
+        <p:spPr bwMode="auto"/>
+        <p:txBody>
+          <a:bodyPr/>
+          <a:lstStyle/>
+          <a:p>
+            <a:pPr>
+              <a:defRPr/>
+            </a:pPr>
+            <a:fld id="{4492EBB3-AB20-9C0A-0FAD-943FED60D2B4}" type="slidenum">
+              <a:rPr lang="de-DE"/>
+              <a:t/>
+            </a:fld>
+            <a:endParaRPr lang="de-DE"/>
+          </a:p>
+        </p:txBody>
+      </p:sp>
+      <p:sp>
+        <p:nvSpPr>
+          <p:cNvPr id="1544364379" name="Textplatzhalter 6"/>
+          <p:cNvSpPr>
+            <a:spLocks noGrp="1"/>
+          </p:cNvSpPr>
+          <p:nvPr>
+            <p:ph type="body" sz="quarter" idx="13"/>
+          </p:nvPr>
+        </p:nvSpPr>
+        <p:spPr bwMode="auto">
+          <a:xfrm>
+            <a:off x="518315" y="1631153"/>
+            <a:ext cx="11157743" cy="4569617"/>
+          </a:xfrm>
+        </p:spPr>
+        <p:txBody>
+          <a:bodyPr vertOverflow="overflow" horzOverflow="overflow" vert="horz" wrap="square" lIns="0" tIns="0" rIns="360000" bIns="0" numCol="1" spcCol="0" rtlCol="0" fromWordArt="0" anchor="t" anchorCtr="0" forceAA="0" upright="0" compatLnSpc="0">
+            <a:normAutofit/>
+          </a:bodyPr>
+          <a:lstStyle/>
+          <a:p>
+            <a:pPr marL="239820" indent="-239820" algn="l" defTabSz="914400">
+              <a:lnSpc>
+                <a:spcPct val="108000"/>
+              </a:lnSpc>
+              <a:spcBef>
+                <a:spcPts val="0"/>
+              </a:spcBef>
+              <a:spcAft>
+                <a:spcPts val="1198"/>
+              </a:spcAft>
+              <a:buFont typeface="Arial"/>
+              <a:buChar char="–"/>
+              <a:defRPr/>
+            </a:pPr>
+            <a:r>
+              <a:rPr lang="de-DE" sz="1600" b="0" i="0" u="none" strike="noStrike" cap="none" spc="0">
+                <a:solidFill>
+                  <a:schemeClr val="accent4"/>
+                </a:solidFill>
+                <a:latin typeface="Arial"/>
+                <a:ea typeface="Arial"/>
+                <a:cs typeface="Arial"/>
+              </a:rPr>
+              <a:t>Kind of optimization:</a:t>
+            </a:r>
+            <a:r>
+              <a:rPr lang="de-DE" sz="1600" b="0" i="0" u="none" strike="noStrike" cap="none" spc="0">
+                <a:solidFill>
+                  <a:schemeClr val="accent4"/>
+                </a:solidFill>
+                <a:latin typeface="Arial"/>
+                <a:ea typeface="Arial"/>
+                <a:cs typeface="Arial"/>
+              </a:rPr>
+              <a:t>	</a:t>
+            </a:r>
+            <a:r>
+              <a:rPr lang="de-DE" sz="1600" b="0" i="0" u="none" strike="noStrike" cap="none" spc="0">
+                <a:solidFill>
+                  <a:schemeClr val="accent4"/>
+                </a:solidFill>
+                <a:latin typeface="Arial"/>
+                <a:ea typeface="Arial"/>
+                <a:cs typeface="Arial"/>
+              </a:rPr>
+              <a:t>	Developer:</a:t>
+            </a:r>
+            <a:endParaRPr sz="1600" b="0" i="0" u="none" strike="noStrike" cap="none" spc="0">
+              <a:solidFill>
+                <a:schemeClr val="accent4"/>
+              </a:solidFill>
+              <a:latin typeface="Arial"/>
+              <a:ea typeface="Arial"/>
+              <a:cs typeface="Arial"/>
+            </a:endParaRPr>
+          </a:p>
+          <a:p>
+            <a:pPr lvl="2" algn="l" defTabSz="914400">
+              <a:lnSpc>
+                <a:spcPct val="108000"/>
+              </a:lnSpc>
+              <a:spcBef>
+                <a:spcPts val="0"/>
+              </a:spcBef>
+              <a:spcAft>
+                <a:spcPts val="1198"/>
+              </a:spcAft>
+              <a:buClr>
+                <a:schemeClr val="accent4"/>
+              </a:buClr>
+              <a:buFont typeface="Arial"/>
+              <a:buChar char="–"/>
+              <a:defRPr/>
+            </a:pPr>
+            <a:r>
+              <a:rPr lang="de-DE" sz="1600" b="0" i="0" u="none" strike="noStrike" cap="none" spc="0">
+                <a:solidFill>
+                  <a:schemeClr val="tx1"/>
+                </a:solidFill>
+                <a:latin typeface="Arial"/>
+                <a:ea typeface="Arial"/>
+                <a:cs typeface="Arial"/>
+              </a:rPr>
+              <a:t>(</a:t>
+            </a:r>
+            <a:r>
+              <a:rPr lang="de-DE" sz="1600" b="0" i="0" u="none" strike="noStrike" cap="none" spc="0">
+                <a:solidFill>
+                  <a:schemeClr val="tx1"/>
+                </a:solidFill>
+                <a:latin typeface="Arial"/>
+                <a:ea typeface="Arial"/>
+                <a:cs typeface="Arial"/>
+              </a:rPr>
+              <a:t>Apple M3 Pro</a:t>
+            </a:r>
+            <a:r>
+              <a:rPr lang="de-DE" sz="1600" b="0" i="0" u="none" strike="noStrike" cap="none" spc="0">
+                <a:solidFill>
+                  <a:schemeClr val="tx1"/>
+                </a:solidFill>
+                <a:latin typeface="Arial"/>
+                <a:ea typeface="Arial"/>
+                <a:cs typeface="Arial"/>
+              </a:rPr>
+              <a:t> NPU)		</a:t>
+            </a:r>
+            <a:r>
+              <a:rPr lang="de-DE" sz="1600" b="0" i="0" u="none" strike="noStrike" cap="none" spc="0">
+                <a:solidFill>
+                  <a:schemeClr val="tx1"/>
+                </a:solidFill>
+                <a:latin typeface="Arial"/>
+                <a:ea typeface="Arial"/>
+                <a:cs typeface="Arial"/>
+              </a:rPr>
+              <a:t>Dustin Heither</a:t>
+            </a:r>
+            <a:endParaRPr sz="1600" b="0" i="0" u="none" strike="noStrike" cap="none" spc="0">
+              <a:solidFill>
+                <a:schemeClr val="tx1"/>
+              </a:solidFill>
+              <a:latin typeface="Arial"/>
+              <a:ea typeface="Arial"/>
+              <a:cs typeface="Arial"/>
+            </a:endParaRPr>
+          </a:p>
+          <a:p>
+            <a:pPr lvl="2" algn="l" defTabSz="914400">
+              <a:lnSpc>
+                <a:spcPct val="108000"/>
+              </a:lnSpc>
+              <a:spcBef>
+                <a:spcPts val="0"/>
+              </a:spcBef>
+              <a:spcAft>
+                <a:spcPts val="1198"/>
+              </a:spcAft>
+              <a:buClr>
+                <a:schemeClr val="accent4"/>
+              </a:buClr>
+              <a:buFont typeface="Arial"/>
+              <a:buChar char="–"/>
+              <a:defRPr/>
+            </a:pPr>
+            <a:r>
+              <a:rPr lang="de-DE" sz="1600" b="0" i="0" u="none" strike="noStrike" cap="none" spc="0">
+                <a:solidFill>
+                  <a:schemeClr val="tx1"/>
+                </a:solidFill>
+                <a:latin typeface="Arial"/>
+                <a:ea typeface="Arial"/>
+                <a:cs typeface="Arial"/>
+              </a:rPr>
+              <a:t>Multithreading</a:t>
+            </a:r>
+            <a:r>
+              <a:rPr lang="de-DE" sz="1600" b="0" i="0" u="none" strike="noStrike" cap="none" spc="0">
+                <a:solidFill>
+                  <a:schemeClr val="tx1"/>
+                </a:solidFill>
+                <a:latin typeface="Arial"/>
+                <a:ea typeface="Arial"/>
+                <a:cs typeface="Arial"/>
+              </a:rPr>
+              <a:t>			Dustin Heither</a:t>
+            </a:r>
+            <a:r>
+              <a:rPr lang="de-DE" sz="1600" b="0" i="0" u="none" strike="noStrike" cap="none" spc="0">
+                <a:solidFill>
+                  <a:schemeClr val="tx1"/>
+                </a:solidFill>
+                <a:latin typeface="Arial"/>
+                <a:ea typeface="Arial"/>
+                <a:cs typeface="Arial"/>
+              </a:rPr>
+              <a:t>, Robert Kagan</a:t>
+            </a:r>
+            <a:endParaRPr sz="1600" b="0" i="0" u="none" strike="noStrike" cap="none" spc="0">
+              <a:solidFill>
+                <a:schemeClr val="tx1"/>
+              </a:solidFill>
+              <a:latin typeface="Arial"/>
+              <a:ea typeface="Arial"/>
+              <a:cs typeface="Arial"/>
+            </a:endParaRPr>
+          </a:p>
+          <a:p>
+            <a:pPr lvl="2" algn="l" defTabSz="914400">
+              <a:lnSpc>
+                <a:spcPct val="108000"/>
+              </a:lnSpc>
+              <a:spcBef>
+                <a:spcPts val="0"/>
+              </a:spcBef>
+              <a:spcAft>
+                <a:spcPts val="1198"/>
+              </a:spcAft>
+              <a:buClr>
+                <a:schemeClr val="accent4"/>
+              </a:buClr>
+              <a:buFont typeface="Arial"/>
+              <a:buChar char="–"/>
+              <a:defRPr/>
+            </a:pPr>
+            <a:r>
+              <a:rPr lang="de-DE" sz="1600" b="0" i="0" u="none" strike="noStrike" cap="none" spc="0">
+                <a:solidFill>
+                  <a:schemeClr val="tx1"/>
+                </a:solidFill>
+                <a:latin typeface="Arial"/>
+                <a:ea typeface="Arial"/>
+                <a:cs typeface="Arial"/>
+              </a:rPr>
+              <a:t>SIMD</a:t>
+            </a:r>
+            <a:endParaRPr sz="1600" b="0" i="0" u="none" strike="noStrike" cap="none" spc="0">
+              <a:solidFill>
+                <a:schemeClr val="tx1"/>
+              </a:solidFill>
+              <a:latin typeface="Arial"/>
+              <a:ea typeface="Arial"/>
+              <a:cs typeface="Arial"/>
+            </a:endParaRPr>
+          </a:p>
+          <a:p>
+            <a:pPr lvl="3" algn="l" defTabSz="914400">
+              <a:lnSpc>
+                <a:spcPct val="108000"/>
+              </a:lnSpc>
+              <a:spcBef>
+                <a:spcPts val="0"/>
+              </a:spcBef>
+              <a:spcAft>
+                <a:spcPts val="1198"/>
+              </a:spcAft>
+              <a:buClr>
+                <a:schemeClr val="accent4"/>
+              </a:buClr>
+              <a:buFont typeface="Arial"/>
+              <a:buChar char="–"/>
+              <a:defRPr/>
+            </a:pPr>
+            <a:r>
+              <a:rPr lang="de-DE" sz="1600" b="0" i="0" u="none" strike="noStrike" cap="none" spc="0">
+                <a:solidFill>
+                  <a:schemeClr val="tx1"/>
+                </a:solidFill>
+                <a:latin typeface="Arial"/>
+                <a:ea typeface="Arial"/>
+                <a:cs typeface="Arial"/>
+              </a:rPr>
+              <a:t>Arm Neon</a:t>
+            </a:r>
+            <a:r>
+              <a:rPr lang="de-DE" sz="1600" b="0" i="0" u="none" strike="noStrike" cap="none" spc="0">
+                <a:solidFill>
+                  <a:schemeClr val="tx1"/>
+                </a:solidFill>
+                <a:latin typeface="Arial"/>
+                <a:ea typeface="Arial"/>
+                <a:cs typeface="Arial"/>
+              </a:rPr>
+              <a:t>			Dustin Heither</a:t>
+            </a:r>
+            <a:endParaRPr sz="1600" b="0" i="0" u="none" strike="noStrike" cap="none" spc="0">
+              <a:solidFill>
+                <a:schemeClr val="tx1"/>
+              </a:solidFill>
+              <a:latin typeface="Arial"/>
+              <a:ea typeface="Arial"/>
+              <a:cs typeface="Arial"/>
+            </a:endParaRPr>
+          </a:p>
+          <a:p>
+            <a:pPr lvl="3" algn="l" defTabSz="914400">
+              <a:lnSpc>
+                <a:spcPct val="108000"/>
+              </a:lnSpc>
+              <a:spcBef>
+                <a:spcPts val="0"/>
+              </a:spcBef>
+              <a:spcAft>
+                <a:spcPts val="1198"/>
+              </a:spcAft>
+              <a:buClr>
+                <a:schemeClr val="accent4"/>
+              </a:buClr>
+              <a:buFont typeface="Arial"/>
+              <a:buChar char="–"/>
+              <a:defRPr/>
+            </a:pPr>
+            <a:r>
+              <a:rPr lang="de-DE" sz="1600" b="0" i="0" u="none" strike="noStrike" cap="none" spc="0">
+                <a:solidFill>
+                  <a:schemeClr val="tx1"/>
+                </a:solidFill>
+                <a:latin typeface="Arial"/>
+                <a:ea typeface="Arial"/>
+                <a:cs typeface="Arial"/>
+              </a:rPr>
+              <a:t>Quantization			</a:t>
+            </a:r>
+            <a:r>
+              <a:rPr lang="de-DE" sz="1600" b="0" i="0" u="none" strike="noStrike" cap="none" spc="0">
+                <a:solidFill>
+                  <a:schemeClr val="tx1"/>
+                </a:solidFill>
+                <a:latin typeface="Arial"/>
+                <a:ea typeface="Arial"/>
+                <a:cs typeface="Arial"/>
+              </a:rPr>
+              <a:t>Dustin Heither</a:t>
+            </a:r>
+            <a:r>
+              <a:rPr lang="de-DE" sz="1600" b="0" i="0" u="none" strike="noStrike" cap="none" spc="0">
+                <a:solidFill>
+                  <a:schemeClr val="tx1"/>
+                </a:solidFill>
+                <a:latin typeface="Arial"/>
+                <a:ea typeface="Arial"/>
+                <a:cs typeface="Arial"/>
+              </a:rPr>
+              <a:t>, Robert Kagan</a:t>
+            </a:r>
+            <a:endParaRPr sz="1600" b="0" i="0" u="none" strike="noStrike" cap="none" spc="0">
+              <a:solidFill>
+                <a:schemeClr val="tx1"/>
+              </a:solidFill>
+              <a:latin typeface="Arial"/>
+              <a:ea typeface="Arial"/>
+              <a:cs typeface="Arial"/>
+            </a:endParaRPr>
+          </a:p>
+          <a:p>
+            <a:pPr lvl="3" algn="l" defTabSz="914400">
+              <a:lnSpc>
+                <a:spcPct val="108000"/>
+              </a:lnSpc>
+              <a:spcBef>
+                <a:spcPts val="0"/>
+              </a:spcBef>
+              <a:spcAft>
+                <a:spcPts val="1198"/>
+              </a:spcAft>
+              <a:buClr>
+                <a:schemeClr val="accent4"/>
+              </a:buClr>
+              <a:buFont typeface="Arial"/>
+              <a:buChar char="–"/>
+              <a:defRPr/>
+            </a:pPr>
+            <a:r>
+              <a:rPr lang="de-DE" sz="1600" b="0" i="0" u="none" strike="noStrike" cap="none" spc="0">
+                <a:solidFill>
+                  <a:schemeClr val="tx1"/>
+                </a:solidFill>
+                <a:latin typeface="Arial"/>
+                <a:ea typeface="Arial"/>
+                <a:cs typeface="Arial"/>
+              </a:rPr>
+              <a:t>SSE vs. </a:t>
+            </a:r>
+            <a:r>
+              <a:rPr sz="1600" b="0" i="0" u="none" strike="noStrike" cap="none" spc="0">
+                <a:solidFill>
+                  <a:schemeClr val="tx1"/>
+                </a:solidFill>
+                <a:latin typeface="Arial"/>
+                <a:ea typeface="Arial"/>
+                <a:cs typeface="Arial"/>
+              </a:rPr>
+              <a:t>AVX2</a:t>
+            </a:r>
+            <a:r>
+              <a:rPr lang="de-DE" sz="1600" b="0" i="0" u="none" strike="noStrike" cap="none" spc="0">
+                <a:solidFill>
+                  <a:schemeClr val="tx1"/>
+                </a:solidFill>
+                <a:latin typeface="Arial"/>
+                <a:ea typeface="Arial"/>
+                <a:cs typeface="Arial"/>
+              </a:rPr>
+              <a:t> vs. </a:t>
+            </a:r>
+            <a:r>
+              <a:rPr sz="1600" b="0" i="0" u="none" strike="noStrike" cap="none" spc="0">
+                <a:solidFill>
+                  <a:schemeClr val="tx1"/>
+                </a:solidFill>
+                <a:latin typeface="Arial"/>
+                <a:ea typeface="Arial"/>
+                <a:cs typeface="Arial"/>
+              </a:rPr>
+              <a:t>AVX-512	</a:t>
+            </a:r>
+            <a:r>
+              <a:rPr lang="de-DE" sz="1600" b="0" i="0" u="none" strike="noStrike" cap="none" spc="0">
+                <a:solidFill>
+                  <a:schemeClr val="tx1"/>
+                </a:solidFill>
+                <a:latin typeface="Arial"/>
+                <a:ea typeface="Arial"/>
+                <a:cs typeface="Arial"/>
+              </a:rPr>
+              <a:t>Robert Kagan</a:t>
+            </a:r>
+            <a:endParaRPr sz="1600" b="0" i="0" u="none" strike="noStrike" cap="none" spc="0">
+              <a:solidFill>
+                <a:schemeClr val="tx1"/>
+              </a:solidFill>
+              <a:latin typeface="Arial"/>
+              <a:ea typeface="Arial"/>
+              <a:cs typeface="Arial"/>
+            </a:endParaRPr>
+          </a:p>
+          <a:p>
+            <a:pPr lvl="3" algn="l" defTabSz="914400">
+              <a:lnSpc>
+                <a:spcPct val="108000"/>
+              </a:lnSpc>
+              <a:spcBef>
+                <a:spcPts val="0"/>
+              </a:spcBef>
+              <a:spcAft>
+                <a:spcPts val="1198"/>
+              </a:spcAft>
+              <a:buClr>
+                <a:schemeClr val="accent4"/>
+              </a:buClr>
+              <a:buFont typeface="Arial"/>
+              <a:buChar char="–"/>
+              <a:defRPr/>
+            </a:pPr>
+            <a:r>
+              <a:rPr lang="de-DE" sz="1600" b="0" i="0" u="none" strike="noStrike" cap="none" spc="0">
+                <a:solidFill>
+                  <a:schemeClr val="tx1"/>
+                </a:solidFill>
+                <a:latin typeface="Arial"/>
+                <a:ea typeface="Arial"/>
+                <a:cs typeface="Arial"/>
+              </a:rPr>
+              <a:t>ICC vs. GCC			Robert Kagan</a:t>
+            </a:r>
+            <a:endParaRPr sz="1600" b="0" i="0" u="none" strike="noStrike" cap="none" spc="0">
+              <a:solidFill>
+                <a:schemeClr val="tx1"/>
+              </a:solidFill>
+              <a:latin typeface="Arial"/>
+              <a:cs typeface="Arial"/>
+            </a:endParaRPr>
+          </a:p>
+          <a:p>
+            <a:pPr lvl="2" algn="l" defTabSz="914400">
+              <a:lnSpc>
+                <a:spcPct val="108000"/>
+              </a:lnSpc>
+              <a:spcBef>
+                <a:spcPts val="0"/>
+              </a:spcBef>
+              <a:spcAft>
+                <a:spcPts val="1198"/>
+              </a:spcAft>
+              <a:buClr>
+                <a:schemeClr val="accent4"/>
+              </a:buClr>
+              <a:buFont typeface="Arial"/>
+              <a:buChar char="–"/>
+              <a:defRPr/>
+            </a:pPr>
+            <a:r>
+              <a:rPr lang="de-DE" sz="1600" b="0" i="0" u="none" strike="noStrike" cap="none" spc="0">
+                <a:solidFill>
+                  <a:schemeClr val="tx1"/>
+                </a:solidFill>
+                <a:latin typeface="Arial"/>
+                <a:ea typeface="Arial"/>
+                <a:cs typeface="Arial"/>
+              </a:rPr>
+              <a:t>CUDA tuning			Maximilian Achenbach</a:t>
+            </a:r>
+            <a:endParaRPr sz="1600" b="0" i="0" u="none" strike="noStrike" cap="none" spc="0">
+              <a:solidFill>
+                <a:schemeClr val="tx1"/>
+              </a:solidFill>
+              <a:latin typeface="Arial"/>
+              <a:cs typeface="Arial"/>
+            </a:endParaRPr>
+          </a:p>
+        </p:txBody>
+      </p:sp>
+      <p:sp>
+        <p:nvSpPr>
+          <p:cNvPr id="1946721321" name="Titel 5"/>
+          <p:cNvSpPr>
+            <a:spLocks noGrp="1"/>
+          </p:cNvSpPr>
+          <p:nvPr>
+            <p:ph type="title"/>
+          </p:nvPr>
+        </p:nvSpPr>
+        <p:spPr bwMode="auto">
+          <a:xfrm>
+            <a:off x="518316" y="301185"/>
+            <a:ext cx="6845463" cy="329544"/>
+          </a:xfrm>
+        </p:spPr>
+        <p:txBody>
+          <a:bodyPr/>
+          <a:lstStyle>
+            <a:lvl1pPr>
+              <a:defRPr>
+                <a:solidFill>
+                  <a:srgbClr val="041E42"/>
+                </a:solidFill>
+              </a:defRPr>
+            </a:lvl1pPr>
+          </a:lstStyle>
+          <a:p>
+            <a:pPr>
+              <a:defRPr/>
+            </a:pPr>
+            <a:r>
+              <a:rPr lang="de-DE" sz="2400" b="1" i="0" u="none" strike="noStrike" cap="none" spc="0">
+                <a:solidFill>
+                  <a:srgbClr val="041E42"/>
+                </a:solidFill>
+                <a:latin typeface="Arial"/>
+                <a:ea typeface="Arial"/>
+                <a:cs typeface="Arial"/>
+              </a:rPr>
+              <a:t>Approach and responsibilities</a:t>
+            </a:r>
+            <a:endParaRPr/>
+          </a:p>
+        </p:txBody>
+      </p:sp>
+      <p:sp>
+        <p:nvSpPr>
+          <p:cNvPr id="295971891" name="Textplatzhalter 9"/>
+          <p:cNvSpPr>
+            <a:spLocks noGrp="1"/>
+          </p:cNvSpPr>
+          <p:nvPr>
+            <p:ph type="body" sz="quarter" idx="37"/>
+          </p:nvPr>
+        </p:nvSpPr>
+        <p:spPr bwMode="auto">
+          <a:xfrm>
+            <a:off x="518315" y="687596"/>
+            <a:ext cx="6845823" cy="268582"/>
+          </a:xfrm>
+        </p:spPr>
+        <p:txBody>
+          <a:bodyPr wrap="square">
+            <a:spAutoFit/>
+          </a:bodyPr>
+          <a:lstStyle>
+            <a:lvl1pPr>
+              <a:defRPr sz="1600">
+                <a:solidFill>
+                  <a:srgbClr val="041E42"/>
+                </a:solidFill>
+              </a:defRPr>
+            </a:lvl1pPr>
+          </a:lstStyle>
+          <a:p>
+            <a:pPr>
+              <a:defRPr/>
+            </a:pPr>
+            <a:r>
+              <a:rPr lang="de-DE" sz="1600" b="0" i="0" u="none" strike="noStrike" cap="none" spc="0">
+                <a:solidFill>
+                  <a:srgbClr val="041E42"/>
+                </a:solidFill>
+                <a:latin typeface="Arial"/>
+                <a:ea typeface="Arial"/>
+                <a:cs typeface="Arial"/>
+              </a:rPr>
+              <a:t>Dustin Heither, Maximilian Achenbach</a:t>
+            </a:r>
+            <a:r>
+              <a:rPr lang="de-DE" sz="1600" b="0" i="0" u="none" strike="noStrike" cap="none" spc="0">
+                <a:solidFill>
+                  <a:srgbClr val="041E42"/>
+                </a:solidFill>
+                <a:latin typeface="Arial"/>
+                <a:ea typeface="Arial"/>
+                <a:cs typeface="Arial"/>
+              </a:rPr>
+              <a:t> and </a:t>
+            </a:r>
+            <a:r>
+              <a:rPr lang="de-DE" sz="1600" b="0" i="0" u="none" strike="noStrike" cap="none" spc="0">
+                <a:solidFill>
+                  <a:srgbClr val="041E42"/>
+                </a:solidFill>
+                <a:latin typeface="Arial"/>
+                <a:ea typeface="Arial"/>
+                <a:cs typeface="Arial"/>
+              </a:rPr>
+              <a:t>Robert Kagan</a:t>
+            </a:r>
+            <a:endParaRPr sz="1600"/>
+          </a:p>
+        </p:txBody>
+      </p:sp>
+      <p:pic>
+        <p:nvPicPr>
+          <p:cNvPr id="1755423951" name=""/>
+          <p:cNvPicPr>
+            <a:picLocks noChangeAspect="1"/>
+          </p:cNvPicPr>
+          <p:nvPr/>
+        </p:nvPicPr>
+        <p:blipFill>
+          <a:blip r:embed="rId3"/>
+          <a:stretch/>
+        </p:blipFill>
+        <p:spPr bwMode="auto">
+          <a:xfrm>
+            <a:off x="8408988" y="2234801"/>
+            <a:ext cx="3267073" cy="3362323"/>
           </a:xfrm>
           <a:prstGeom prst="rect">
             <a:avLst/>
